--- a/slides/week3_day2.pptx
+++ b/slides/week3_day2.pptx
@@ -25,8 +25,8 @@
     <p:sldId id="291" r:id="rId13"/>
     <p:sldId id="293" r:id="rId14"/>
     <p:sldId id="296" r:id="rId15"/>
-    <p:sldId id="295" r:id="rId16"/>
-    <p:sldId id="294" r:id="rId17"/>
+    <p:sldId id="294" r:id="rId16"/>
+    <p:sldId id="295" r:id="rId17"/>
   </p:sldIdLst>
   <p:sldSz cx="9144000" cy="6858000" type="screen4x3"/>
   <p:notesSz cx="6858000" cy="9144000"/>
@@ -4004,6 +4004,13 @@
   <p:transition spd="slow" advClick="0" advTm="3000">
     <p:fade/>
   </p:transition>
+  <p:timing>
+    <p:tnLst>
+      <p:par>
+        <p:cTn id="1" dur="indefinite" restart="never" nodeType="tmRoot"/>
+      </p:par>
+    </p:tnLst>
+  </p:timing>
 </p:sld>
 </file>
 
@@ -4104,6 +4111,13 @@
   <p:transition spd="slow" advClick="0" advTm="3000">
     <p:fade/>
   </p:transition>
+  <p:timing>
+    <p:tnLst>
+      <p:par>
+        <p:cTn id="1" dur="indefinite" restart="never" nodeType="tmRoot"/>
+      </p:par>
+    </p:tnLst>
+  </p:timing>
 </p:sld>
 </file>
 
@@ -4225,6 +4239,13 @@
   <p:transition spd="slow" advClick="0" advTm="3000">
     <p:fade/>
   </p:transition>
+  <p:timing>
+    <p:tnLst>
+      <p:par>
+        <p:cTn id="1" dur="indefinite" restart="never" nodeType="tmRoot"/>
+      </p:par>
+    </p:tnLst>
+  </p:timing>
 </p:sld>
 </file>
 
@@ -4307,6 +4328,13 @@
   <p:transition spd="slow" advClick="0" advTm="3000">
     <p:fade/>
   </p:transition>
+  <p:timing>
+    <p:tnLst>
+      <p:par>
+        <p:cTn id="1" dur="indefinite" restart="never" nodeType="tmRoot"/>
+      </p:par>
+    </p:tnLst>
+  </p:timing>
 </p:sld>
 </file>
 
@@ -4407,6 +4435,13 @@
   <p:transition spd="slow" advClick="0" advTm="3000">
     <p:fade/>
   </p:transition>
+  <p:timing>
+    <p:tnLst>
+      <p:par>
+        <p:cTn id="1" dur="indefinite" restart="never" nodeType="tmRoot"/>
+      </p:par>
+    </p:tnLst>
+  </p:timing>
 </p:sld>
 </file>
 
@@ -4469,7 +4504,7 @@
           <a:p>
             <a:r>
               <a:rPr lang="en-US" dirty="0" smtClean="0"/>
-              <a:t>	Find at least 3 papers you like and can emulate when writing your own paper. They don't have to be related to your particular topic. But they definitely should be appropriate for the conference you are submitting to.</a:t>
+              <a:t>	Start skimming/reading lots of articles related to your paper.</a:t>
             </a:r>
           </a:p>
           <a:p>
@@ -4478,40 +4513,7 @@
           <a:p>
             <a:r>
               <a:rPr lang="en-US" dirty="0" smtClean="0"/>
-              <a:t>	A good one might be a paper from last year's conference working with a similar problem.</a:t>
-            </a:r>
-          </a:p>
-          <a:p>
-            <a:r>
-              <a:rPr lang="en-US" dirty="0" smtClean="0"/>
-              <a:t>	</a:t>
-            </a:r>
-          </a:p>
-          <a:p>
-            <a:r>
-              <a:rPr lang="en-US" dirty="0" smtClean="0"/>
-              <a:t>i.e. a paper visualizing a different mathematical construct </a:t>
-            </a:r>
-          </a:p>
-          <a:p>
-            <a:r>
-              <a:rPr lang="en-US" smtClean="0"/>
-              <a:t>	a </a:t>
-            </a:r>
-            <a:r>
-              <a:rPr lang="en-US" dirty="0" smtClean="0"/>
-              <a:t>paper using the same theory/method describing some other </a:t>
-            </a:r>
-            <a:r>
-              <a:rPr lang="en-US" smtClean="0"/>
-              <a:t>digital technology	</a:t>
-            </a:r>
-            <a:endParaRPr lang="en-US" dirty="0" smtClean="0"/>
-          </a:p>
-          <a:p>
-            <a:r>
-              <a:rPr lang="en-US" dirty="0" smtClean="0"/>
-              <a:t>	</a:t>
+              <a:t>	Find at least 15 good citations and explain WHY -- in the context of your paper -- you are citing them and HOW you might discuss them. </a:t>
             </a:r>
             <a:endParaRPr lang="en-US" dirty="0" smtClean="0"/>
           </a:p>
@@ -4525,6 +4527,13 @@
   <p:transition spd="slow" advClick="0" advTm="3000">
     <p:fade/>
   </p:transition>
+  <p:timing>
+    <p:tnLst>
+      <p:par>
+        <p:cTn id="1" dur="indefinite" restart="never" nodeType="tmRoot"/>
+      </p:par>
+    </p:tnLst>
+  </p:timing>
 </p:sld>
 </file>
 
@@ -4587,7 +4596,7 @@
           <a:p>
             <a:r>
               <a:rPr lang="en-US" dirty="0" smtClean="0"/>
-              <a:t>	Start skimming/reading lots of articles related to your paper.</a:t>
+              <a:t>	Find at least 3 papers you like and can emulate when writing your own paper. They don't have to be related to your particular topic. But they definitely should be appropriate for the conference you are submitting to.</a:t>
             </a:r>
           </a:p>
           <a:p>
@@ -4596,7 +4605,31 @@
           <a:p>
             <a:r>
               <a:rPr lang="en-US" dirty="0" smtClean="0"/>
-              <a:t>	Find at least 15 good citations and explain WHY -- in the context of your paper -- you are citing them and HOW you might discuss them. </a:t>
+              <a:t>	A good one might be a paper from last year's conference working with a similar problem.</a:t>
+            </a:r>
+          </a:p>
+          <a:p>
+            <a:r>
+              <a:rPr lang="en-US" dirty="0" smtClean="0"/>
+              <a:t>	</a:t>
+            </a:r>
+          </a:p>
+          <a:p>
+            <a:r>
+              <a:rPr lang="en-US" dirty="0" smtClean="0"/>
+              <a:t>i.e. a paper visualizing a different mathematical construct </a:t>
+            </a:r>
+          </a:p>
+          <a:p>
+            <a:r>
+              <a:rPr lang="en-US" dirty="0" smtClean="0"/>
+              <a:t>	a paper using the same theory/method describing some other digital technology	</a:t>
+            </a:r>
+          </a:p>
+          <a:p>
+            <a:r>
+              <a:rPr lang="en-US" dirty="0" smtClean="0"/>
+              <a:t>	</a:t>
             </a:r>
             <a:endParaRPr lang="en-US" dirty="0" smtClean="0"/>
           </a:p>
@@ -4898,6 +4931,13 @@
   <p:transition spd="slow" advClick="0" advTm="3000">
     <p:fade/>
   </p:transition>
+  <p:timing>
+    <p:tnLst>
+      <p:par>
+        <p:cTn id="1" dur="indefinite" restart="never" nodeType="tmRoot"/>
+      </p:par>
+    </p:tnLst>
+  </p:timing>
 </p:sld>
 </file>
 
@@ -4995,6 +5035,13 @@
   <p:transition spd="slow" advClick="0" advTm="3000">
     <p:fade/>
   </p:transition>
+  <p:timing>
+    <p:tnLst>
+      <p:par>
+        <p:cTn id="1" dur="indefinite" restart="never" nodeType="tmRoot"/>
+      </p:par>
+    </p:tnLst>
+  </p:timing>
 </p:sld>
 </file>
 
@@ -5078,6 +5125,13 @@
   <p:transition spd="slow" advClick="0" advTm="3000">
     <p:fade/>
   </p:transition>
+  <p:timing>
+    <p:tnLst>
+      <p:par>
+        <p:cTn id="1" dur="indefinite" restart="never" nodeType="tmRoot"/>
+      </p:par>
+    </p:tnLst>
+  </p:timing>
 </p:sld>
 </file>
 
@@ -5175,6 +5229,13 @@
   <p:transition spd="slow" advClick="0" advTm="3000">
     <p:fade/>
   </p:transition>
+  <p:timing>
+    <p:tnLst>
+      <p:par>
+        <p:cTn id="1" dur="indefinite" restart="never" nodeType="tmRoot"/>
+      </p:par>
+    </p:tnLst>
+  </p:timing>
 </p:sld>
 </file>
 
@@ -5282,6 +5343,13 @@
   <p:transition spd="slow" advClick="0" advTm="3000">
     <p:fade/>
   </p:transition>
+  <p:timing>
+    <p:tnLst>
+      <p:par>
+        <p:cTn id="1" dur="indefinite" restart="never" nodeType="tmRoot"/>
+      </p:par>
+    </p:tnLst>
+  </p:timing>
 </p:sld>
 </file>
 
@@ -5373,6 +5441,13 @@
   <p:transition spd="slow" advClick="0" advTm="3000">
     <p:fade/>
   </p:transition>
+  <p:timing>
+    <p:tnLst>
+      <p:par>
+        <p:cTn id="1" dur="indefinite" restart="never" nodeType="tmRoot"/>
+      </p:par>
+    </p:tnLst>
+  </p:timing>
 </p:sld>
 </file>
 
@@ -5481,6 +5556,13 @@
   <p:transition spd="slow" advClick="0" advTm="3000">
     <p:fade/>
   </p:transition>
+  <p:timing>
+    <p:tnLst>
+      <p:par>
+        <p:cTn id="1" dur="indefinite" restart="never" nodeType="tmRoot"/>
+      </p:par>
+    </p:tnLst>
+  </p:timing>
 </p:sld>
 </file>
 
